--- a/figures/figure4/isotherm_examples_annotated.pptx
+++ b/figures/figure4/isotherm_examples_annotated.pptx
@@ -104,6 +104,11 @@
       </a:defRPr>
     </a:lvl9pPr>
   </p:defaultTextStyle>
+  <p:extLst>
+    <p:ext uri="{EFAFB233-063F-42B5-8137-9DF3F51BA10A}">
+      <p15:sldGuideLst xmlns:p15="http://schemas.microsoft.com/office/powerpoint/2012/main"/>
+    </p:ext>
+  </p:extLst>
 </p:presentation>
 </file>
 
@@ -256,7 +261,7 @@
           <a:p>
             <a:fld id="{B9DCF7FD-2549-4915-A738-46E5F3728D8C}" type="datetimeFigureOut">
               <a:rPr lang="LID4096" smtClean="0"/>
-              <a:t>06/18/2025</a:t>
+              <a:t>06/23/2025</a:t>
             </a:fld>
             <a:endParaRPr lang="LID4096"/>
           </a:p>
@@ -456,7 +461,7 @@
           <a:p>
             <a:fld id="{B9DCF7FD-2549-4915-A738-46E5F3728D8C}" type="datetimeFigureOut">
               <a:rPr lang="LID4096" smtClean="0"/>
-              <a:t>06/18/2025</a:t>
+              <a:t>06/23/2025</a:t>
             </a:fld>
             <a:endParaRPr lang="LID4096"/>
           </a:p>
@@ -666,7 +671,7 @@
           <a:p>
             <a:fld id="{B9DCF7FD-2549-4915-A738-46E5F3728D8C}" type="datetimeFigureOut">
               <a:rPr lang="LID4096" smtClean="0"/>
-              <a:t>06/18/2025</a:t>
+              <a:t>06/23/2025</a:t>
             </a:fld>
             <a:endParaRPr lang="LID4096"/>
           </a:p>
@@ -866,7 +871,7 @@
           <a:p>
             <a:fld id="{B9DCF7FD-2549-4915-A738-46E5F3728D8C}" type="datetimeFigureOut">
               <a:rPr lang="LID4096" smtClean="0"/>
-              <a:t>06/18/2025</a:t>
+              <a:t>06/23/2025</a:t>
             </a:fld>
             <a:endParaRPr lang="LID4096"/>
           </a:p>
@@ -1142,7 +1147,7 @@
           <a:p>
             <a:fld id="{B9DCF7FD-2549-4915-A738-46E5F3728D8C}" type="datetimeFigureOut">
               <a:rPr lang="LID4096" smtClean="0"/>
-              <a:t>06/18/2025</a:t>
+              <a:t>06/23/2025</a:t>
             </a:fld>
             <a:endParaRPr lang="LID4096"/>
           </a:p>
@@ -1410,7 +1415,7 @@
           <a:p>
             <a:fld id="{B9DCF7FD-2549-4915-A738-46E5F3728D8C}" type="datetimeFigureOut">
               <a:rPr lang="LID4096" smtClean="0"/>
-              <a:t>06/18/2025</a:t>
+              <a:t>06/23/2025</a:t>
             </a:fld>
             <a:endParaRPr lang="LID4096"/>
           </a:p>
@@ -1825,7 +1830,7 @@
           <a:p>
             <a:fld id="{B9DCF7FD-2549-4915-A738-46E5F3728D8C}" type="datetimeFigureOut">
               <a:rPr lang="LID4096" smtClean="0"/>
-              <a:t>06/18/2025</a:t>
+              <a:t>06/23/2025</a:t>
             </a:fld>
             <a:endParaRPr lang="LID4096"/>
           </a:p>
@@ -1967,7 +1972,7 @@
           <a:p>
             <a:fld id="{B9DCF7FD-2549-4915-A738-46E5F3728D8C}" type="datetimeFigureOut">
               <a:rPr lang="LID4096" smtClean="0"/>
-              <a:t>06/18/2025</a:t>
+              <a:t>06/23/2025</a:t>
             </a:fld>
             <a:endParaRPr lang="LID4096"/>
           </a:p>
@@ -2080,7 +2085,7 @@
           <a:p>
             <a:fld id="{B9DCF7FD-2549-4915-A738-46E5F3728D8C}" type="datetimeFigureOut">
               <a:rPr lang="LID4096" smtClean="0"/>
-              <a:t>06/18/2025</a:t>
+              <a:t>06/23/2025</a:t>
             </a:fld>
             <a:endParaRPr lang="LID4096"/>
           </a:p>
@@ -2393,7 +2398,7 @@
           <a:p>
             <a:fld id="{B9DCF7FD-2549-4915-A738-46E5F3728D8C}" type="datetimeFigureOut">
               <a:rPr lang="LID4096" smtClean="0"/>
-              <a:t>06/18/2025</a:t>
+              <a:t>06/23/2025</a:t>
             </a:fld>
             <a:endParaRPr lang="LID4096"/>
           </a:p>
@@ -2682,7 +2687,7 @@
           <a:p>
             <a:fld id="{B9DCF7FD-2549-4915-A738-46E5F3728D8C}" type="datetimeFigureOut">
               <a:rPr lang="LID4096" smtClean="0"/>
-              <a:t>06/18/2025</a:t>
+              <a:t>06/23/2025</a:t>
             </a:fld>
             <a:endParaRPr lang="LID4096"/>
           </a:p>
@@ -2925,7 +2930,7 @@
           <a:p>
             <a:fld id="{B9DCF7FD-2549-4915-A738-46E5F3728D8C}" type="datetimeFigureOut">
               <a:rPr lang="LID4096" smtClean="0"/>
-              <a:t>06/18/2025</a:t>
+              <a:t>06/23/2025</a:t>
             </a:fld>
             <a:endParaRPr lang="LID4096"/>
           </a:p>
@@ -3344,10 +3349,10 @@
       </p:grpSpPr>
       <p:pic>
         <p:nvPicPr>
-          <p:cNvPr id="5" name="Graphic 4">
-            <a:extLst>
-              <a:ext uri="{FF2B5EF4-FFF2-40B4-BE49-F238E27FC236}">
-                <a16:creationId xmlns:a16="http://schemas.microsoft.com/office/drawing/2014/main" id="{FCA5F6D1-0598-8572-79CC-08A3280DE125}"/>
+          <p:cNvPr id="3" name="Graphic 2">
+            <a:extLst>
+              <a:ext uri="{FF2B5EF4-FFF2-40B4-BE49-F238E27FC236}">
+                <a16:creationId xmlns:a16="http://schemas.microsoft.com/office/drawing/2014/main" id="{4B2BB69E-69C6-98C6-4327-35D7493F9AE4}"/>
               </a:ext>
             </a:extLst>
           </p:cNvPr>
@@ -3370,8 +3375,8 @@
         </p:blipFill>
         <p:spPr>
           <a:xfrm>
-            <a:off x="297181" y="609421"/>
-            <a:ext cx="12127482" cy="5868137"/>
+            <a:off x="1560363" y="1091741"/>
+            <a:ext cx="8413900" cy="5537659"/>
           </a:xfrm>
           <a:prstGeom prst="rect">
             <a:avLst/>
@@ -3392,8 +3397,8 @@
         </p:nvSpPr>
         <p:spPr>
           <a:xfrm>
-            <a:off x="64517" y="110431"/>
-            <a:ext cx="975145" cy="584775"/>
+            <a:off x="1414042" y="802581"/>
+            <a:ext cx="975145" cy="400110"/>
           </a:xfrm>
           <a:prstGeom prst="rect">
             <a:avLst/>
@@ -3407,13 +3412,13 @@
           <a:lstStyle/>
           <a:p>
             <a:r>
-              <a:rPr lang="nl-NL" sz="3200" b="1">
+              <a:rPr lang="nl-NL" sz="2000" b="1">
                 <a:latin typeface="Arial" panose="020B0604020202020204" pitchFamily="34" charset="0"/>
                 <a:cs typeface="Arial" panose="020B0604020202020204" pitchFamily="34" charset="0"/>
               </a:rPr>
               <a:t>a</a:t>
             </a:r>
-            <a:endParaRPr lang="LID4096" sz="3200" b="1">
+            <a:endParaRPr lang="LID4096" sz="2000" b="1">
               <a:latin typeface="Arial" panose="020B0604020202020204" pitchFamily="34" charset="0"/>
               <a:cs typeface="Arial" panose="020B0604020202020204" pitchFamily="34" charset="0"/>
             </a:endParaRPr>
@@ -3422,10 +3427,10 @@
       </p:sp>
       <p:sp>
         <p:nvSpPr>
-          <p:cNvPr id="9" name="TextBox 8">
-            <a:extLst>
-              <a:ext uri="{FF2B5EF4-FFF2-40B4-BE49-F238E27FC236}">
-                <a16:creationId xmlns:a16="http://schemas.microsoft.com/office/drawing/2014/main" id="{2A76FAF7-E65A-839A-4F0F-8C6B92BE9C1F}"/>
+          <p:cNvPr id="6" name="TextBox 5">
+            <a:extLst>
+              <a:ext uri="{FF2B5EF4-FFF2-40B4-BE49-F238E27FC236}">
+                <a16:creationId xmlns:a16="http://schemas.microsoft.com/office/drawing/2014/main" id="{B2806539-24C3-D8B5-6527-2034FB8416D9}"/>
               </a:ext>
             </a:extLst>
           </p:cNvPr>
@@ -3434,8 +3439,8 @@
         </p:nvSpPr>
         <p:spPr>
           <a:xfrm>
-            <a:off x="5873349" y="30301"/>
-            <a:ext cx="975145" cy="584775"/>
+            <a:off x="4195342" y="802581"/>
+            <a:ext cx="975145" cy="400110"/>
           </a:xfrm>
           <a:prstGeom prst="rect">
             <a:avLst/>
@@ -3449,13 +3454,181 @@
           <a:lstStyle/>
           <a:p>
             <a:r>
-              <a:rPr lang="nl-NL" sz="3200" b="1">
+              <a:rPr lang="nl-NL" sz="2000" b="1">
                 <a:latin typeface="Arial" panose="020B0604020202020204" pitchFamily="34" charset="0"/>
                 <a:cs typeface="Arial" panose="020B0604020202020204" pitchFamily="34" charset="0"/>
               </a:rPr>
               <a:t>b</a:t>
             </a:r>
-            <a:endParaRPr lang="LID4096" sz="3200" b="1">
+            <a:endParaRPr lang="LID4096" sz="2000" b="1">
+              <a:latin typeface="Arial" panose="020B0604020202020204" pitchFamily="34" charset="0"/>
+              <a:cs typeface="Arial" panose="020B0604020202020204" pitchFamily="34" charset="0"/>
+            </a:endParaRPr>
+          </a:p>
+        </p:txBody>
+      </p:sp>
+      <p:sp>
+        <p:nvSpPr>
+          <p:cNvPr id="7" name="TextBox 6">
+            <a:extLst>
+              <a:ext uri="{FF2B5EF4-FFF2-40B4-BE49-F238E27FC236}">
+                <a16:creationId xmlns:a16="http://schemas.microsoft.com/office/drawing/2014/main" id="{AF3F27DF-419F-FF41-74F3-C4AA20A0FCE3}"/>
+              </a:ext>
+            </a:extLst>
+          </p:cNvPr>
+          <p:cNvSpPr txBox="1"/>
+          <p:nvPr/>
+        </p:nvSpPr>
+        <p:spPr>
+          <a:xfrm>
+            <a:off x="6976642" y="802581"/>
+            <a:ext cx="975145" cy="400110"/>
+          </a:xfrm>
+          <a:prstGeom prst="rect">
+            <a:avLst/>
+          </a:prstGeom>
+          <a:noFill/>
+        </p:spPr>
+        <p:txBody>
+          <a:bodyPr wrap="square" rtlCol="0">
+            <a:spAutoFit/>
+          </a:bodyPr>
+          <a:lstStyle/>
+          <a:p>
+            <a:r>
+              <a:rPr lang="nl-NL" sz="2000" b="1">
+                <a:latin typeface="Arial" panose="020B0604020202020204" pitchFamily="34" charset="0"/>
+                <a:cs typeface="Arial" panose="020B0604020202020204" pitchFamily="34" charset="0"/>
+              </a:rPr>
+              <a:t>c</a:t>
+            </a:r>
+            <a:endParaRPr lang="LID4096" sz="2000" b="1">
+              <a:latin typeface="Arial" panose="020B0604020202020204" pitchFamily="34" charset="0"/>
+              <a:cs typeface="Arial" panose="020B0604020202020204" pitchFamily="34" charset="0"/>
+            </a:endParaRPr>
+          </a:p>
+        </p:txBody>
+      </p:sp>
+      <p:sp>
+        <p:nvSpPr>
+          <p:cNvPr id="10" name="TextBox 9">
+            <a:extLst>
+              <a:ext uri="{FF2B5EF4-FFF2-40B4-BE49-F238E27FC236}">
+                <a16:creationId xmlns:a16="http://schemas.microsoft.com/office/drawing/2014/main" id="{64D46130-59CA-C2F4-5AD2-E3D43DB616BB}"/>
+              </a:ext>
+            </a:extLst>
+          </p:cNvPr>
+          <p:cNvSpPr txBox="1"/>
+          <p:nvPr/>
+        </p:nvSpPr>
+        <p:spPr>
+          <a:xfrm>
+            <a:off x="1414042" y="3660515"/>
+            <a:ext cx="975145" cy="400110"/>
+          </a:xfrm>
+          <a:prstGeom prst="rect">
+            <a:avLst/>
+          </a:prstGeom>
+          <a:noFill/>
+        </p:spPr>
+        <p:txBody>
+          <a:bodyPr wrap="square" rtlCol="0">
+            <a:spAutoFit/>
+          </a:bodyPr>
+          <a:lstStyle/>
+          <a:p>
+            <a:r>
+              <a:rPr lang="nl-NL" sz="2000" b="1">
+                <a:latin typeface="Arial" panose="020B0604020202020204" pitchFamily="34" charset="0"/>
+                <a:cs typeface="Arial" panose="020B0604020202020204" pitchFamily="34" charset="0"/>
+              </a:rPr>
+              <a:t>d</a:t>
+            </a:r>
+            <a:endParaRPr lang="LID4096" sz="2000" b="1">
+              <a:latin typeface="Arial" panose="020B0604020202020204" pitchFamily="34" charset="0"/>
+              <a:cs typeface="Arial" panose="020B0604020202020204" pitchFamily="34" charset="0"/>
+            </a:endParaRPr>
+          </a:p>
+        </p:txBody>
+      </p:sp>
+      <p:sp>
+        <p:nvSpPr>
+          <p:cNvPr id="11" name="TextBox 10">
+            <a:extLst>
+              <a:ext uri="{FF2B5EF4-FFF2-40B4-BE49-F238E27FC236}">
+                <a16:creationId xmlns:a16="http://schemas.microsoft.com/office/drawing/2014/main" id="{B960D58A-9599-BB70-95C0-A6E0192E1FEC}"/>
+              </a:ext>
+            </a:extLst>
+          </p:cNvPr>
+          <p:cNvSpPr txBox="1"/>
+          <p:nvPr/>
+        </p:nvSpPr>
+        <p:spPr>
+          <a:xfrm>
+            <a:off x="4195341" y="3660515"/>
+            <a:ext cx="975145" cy="400110"/>
+          </a:xfrm>
+          <a:prstGeom prst="rect">
+            <a:avLst/>
+          </a:prstGeom>
+          <a:noFill/>
+        </p:spPr>
+        <p:txBody>
+          <a:bodyPr wrap="square" rtlCol="0">
+            <a:spAutoFit/>
+          </a:bodyPr>
+          <a:lstStyle/>
+          <a:p>
+            <a:r>
+              <a:rPr lang="nl-NL" sz="2000" b="1">
+                <a:latin typeface="Arial" panose="020B0604020202020204" pitchFamily="34" charset="0"/>
+                <a:cs typeface="Arial" panose="020B0604020202020204" pitchFamily="34" charset="0"/>
+              </a:rPr>
+              <a:t>e</a:t>
+            </a:r>
+            <a:endParaRPr lang="LID4096" sz="2000" b="1">
+              <a:latin typeface="Arial" panose="020B0604020202020204" pitchFamily="34" charset="0"/>
+              <a:cs typeface="Arial" panose="020B0604020202020204" pitchFamily="34" charset="0"/>
+            </a:endParaRPr>
+          </a:p>
+        </p:txBody>
+      </p:sp>
+      <p:sp>
+        <p:nvSpPr>
+          <p:cNvPr id="12" name="TextBox 11">
+            <a:extLst>
+              <a:ext uri="{FF2B5EF4-FFF2-40B4-BE49-F238E27FC236}">
+                <a16:creationId xmlns:a16="http://schemas.microsoft.com/office/drawing/2014/main" id="{70137D23-2CED-A2B5-83F5-A6ECB08A0A50}"/>
+              </a:ext>
+            </a:extLst>
+          </p:cNvPr>
+          <p:cNvSpPr txBox="1"/>
+          <p:nvPr/>
+        </p:nvSpPr>
+        <p:spPr>
+          <a:xfrm>
+            <a:off x="7021516" y="3660515"/>
+            <a:ext cx="975145" cy="400110"/>
+          </a:xfrm>
+          <a:prstGeom prst="rect">
+            <a:avLst/>
+          </a:prstGeom>
+          <a:noFill/>
+        </p:spPr>
+        <p:txBody>
+          <a:bodyPr wrap="square" rtlCol="0">
+            <a:spAutoFit/>
+          </a:bodyPr>
+          <a:lstStyle/>
+          <a:p>
+            <a:r>
+              <a:rPr lang="nl-NL" sz="2000" b="1">
+                <a:latin typeface="Arial" panose="020B0604020202020204" pitchFamily="34" charset="0"/>
+                <a:cs typeface="Arial" panose="020B0604020202020204" pitchFamily="34" charset="0"/>
+              </a:rPr>
+              <a:t>f</a:t>
+            </a:r>
+            <a:endParaRPr lang="LID4096" sz="2000" b="1">
               <a:latin typeface="Arial" panose="020B0604020202020204" pitchFamily="34" charset="0"/>
               <a:cs typeface="Arial" panose="020B0604020202020204" pitchFamily="34" charset="0"/>
             </a:endParaRPr>

--- a/figures/figure4/isotherm_examples_annotated.pptx
+++ b/figures/figure4/isotherm_examples_annotated.pptx
@@ -261,7 +261,7 @@
           <a:p>
             <a:fld id="{B9DCF7FD-2549-4915-A738-46E5F3728D8C}" type="datetimeFigureOut">
               <a:rPr lang="LID4096" smtClean="0"/>
-              <a:t>06/23/2025</a:t>
+              <a:t>07/01/2025</a:t>
             </a:fld>
             <a:endParaRPr lang="LID4096"/>
           </a:p>
@@ -461,7 +461,7 @@
           <a:p>
             <a:fld id="{B9DCF7FD-2549-4915-A738-46E5F3728D8C}" type="datetimeFigureOut">
               <a:rPr lang="LID4096" smtClean="0"/>
-              <a:t>06/23/2025</a:t>
+              <a:t>07/01/2025</a:t>
             </a:fld>
             <a:endParaRPr lang="LID4096"/>
           </a:p>
@@ -671,7 +671,7 @@
           <a:p>
             <a:fld id="{B9DCF7FD-2549-4915-A738-46E5F3728D8C}" type="datetimeFigureOut">
               <a:rPr lang="LID4096" smtClean="0"/>
-              <a:t>06/23/2025</a:t>
+              <a:t>07/01/2025</a:t>
             </a:fld>
             <a:endParaRPr lang="LID4096"/>
           </a:p>
@@ -871,7 +871,7 @@
           <a:p>
             <a:fld id="{B9DCF7FD-2549-4915-A738-46E5F3728D8C}" type="datetimeFigureOut">
               <a:rPr lang="LID4096" smtClean="0"/>
-              <a:t>06/23/2025</a:t>
+              <a:t>07/01/2025</a:t>
             </a:fld>
             <a:endParaRPr lang="LID4096"/>
           </a:p>
@@ -1147,7 +1147,7 @@
           <a:p>
             <a:fld id="{B9DCF7FD-2549-4915-A738-46E5F3728D8C}" type="datetimeFigureOut">
               <a:rPr lang="LID4096" smtClean="0"/>
-              <a:t>06/23/2025</a:t>
+              <a:t>07/01/2025</a:t>
             </a:fld>
             <a:endParaRPr lang="LID4096"/>
           </a:p>
@@ -1415,7 +1415,7 @@
           <a:p>
             <a:fld id="{B9DCF7FD-2549-4915-A738-46E5F3728D8C}" type="datetimeFigureOut">
               <a:rPr lang="LID4096" smtClean="0"/>
-              <a:t>06/23/2025</a:t>
+              <a:t>07/01/2025</a:t>
             </a:fld>
             <a:endParaRPr lang="LID4096"/>
           </a:p>
@@ -1830,7 +1830,7 @@
           <a:p>
             <a:fld id="{B9DCF7FD-2549-4915-A738-46E5F3728D8C}" type="datetimeFigureOut">
               <a:rPr lang="LID4096" smtClean="0"/>
-              <a:t>06/23/2025</a:t>
+              <a:t>07/01/2025</a:t>
             </a:fld>
             <a:endParaRPr lang="LID4096"/>
           </a:p>
@@ -1972,7 +1972,7 @@
           <a:p>
             <a:fld id="{B9DCF7FD-2549-4915-A738-46E5F3728D8C}" type="datetimeFigureOut">
               <a:rPr lang="LID4096" smtClean="0"/>
-              <a:t>06/23/2025</a:t>
+              <a:t>07/01/2025</a:t>
             </a:fld>
             <a:endParaRPr lang="LID4096"/>
           </a:p>
@@ -2085,7 +2085,7 @@
           <a:p>
             <a:fld id="{B9DCF7FD-2549-4915-A738-46E5F3728D8C}" type="datetimeFigureOut">
               <a:rPr lang="LID4096" smtClean="0"/>
-              <a:t>06/23/2025</a:t>
+              <a:t>07/01/2025</a:t>
             </a:fld>
             <a:endParaRPr lang="LID4096"/>
           </a:p>
@@ -2398,7 +2398,7 @@
           <a:p>
             <a:fld id="{B9DCF7FD-2549-4915-A738-46E5F3728D8C}" type="datetimeFigureOut">
               <a:rPr lang="LID4096" smtClean="0"/>
-              <a:t>06/23/2025</a:t>
+              <a:t>07/01/2025</a:t>
             </a:fld>
             <a:endParaRPr lang="LID4096"/>
           </a:p>
@@ -2687,7 +2687,7 @@
           <a:p>
             <a:fld id="{B9DCF7FD-2549-4915-A738-46E5F3728D8C}" type="datetimeFigureOut">
               <a:rPr lang="LID4096" smtClean="0"/>
-              <a:t>06/23/2025</a:t>
+              <a:t>07/01/2025</a:t>
             </a:fld>
             <a:endParaRPr lang="LID4096"/>
           </a:p>
@@ -2930,7 +2930,7 @@
           <a:p>
             <a:fld id="{B9DCF7FD-2549-4915-A738-46E5F3728D8C}" type="datetimeFigureOut">
               <a:rPr lang="LID4096" smtClean="0"/>
-              <a:t>06/23/2025</a:t>
+              <a:t>07/01/2025</a:t>
             </a:fld>
             <a:endParaRPr lang="LID4096"/>
           </a:p>
@@ -3349,10 +3349,10 @@
       </p:grpSpPr>
       <p:pic>
         <p:nvPicPr>
-          <p:cNvPr id="3" name="Graphic 2">
-            <a:extLst>
-              <a:ext uri="{FF2B5EF4-FFF2-40B4-BE49-F238E27FC236}">
-                <a16:creationId xmlns:a16="http://schemas.microsoft.com/office/drawing/2014/main" id="{4B2BB69E-69C6-98C6-4327-35D7493F9AE4}"/>
+          <p:cNvPr id="9" name="Graphic 8">
+            <a:extLst>
+              <a:ext uri="{FF2B5EF4-FFF2-40B4-BE49-F238E27FC236}">
+                <a16:creationId xmlns:a16="http://schemas.microsoft.com/office/drawing/2014/main" id="{CE40F062-E0BC-4FAF-09CA-1731B44D3C4B}"/>
               </a:ext>
             </a:extLst>
           </p:cNvPr>
@@ -3375,8 +3375,8 @@
         </p:blipFill>
         <p:spPr>
           <a:xfrm>
-            <a:off x="1560363" y="1091741"/>
-            <a:ext cx="8413900" cy="5537659"/>
+            <a:off x="1414042" y="1091741"/>
+            <a:ext cx="8413899" cy="5537658"/>
           </a:xfrm>
           <a:prstGeom prst="rect">
             <a:avLst/>
